--- a/chat-with-documentation/images/ChatWithDoc.pptx
+++ b/chat-with-documentation/images/ChatWithDoc.pptx
@@ -105,14 +105,6 @@
     </a:lvl9pPr>
   </p:defaultTextStyle>
 </p:presentation>
-</file>
-
-<file path=ppt/revisionInfo.xml><?xml version="1.0" encoding="utf-8"?>
-<p1510:revInfo xmlns:a="http://schemas.openxmlformats.org/drawingml/2006/main" xmlns:r="http://schemas.openxmlformats.org/officeDocument/2006/relationships" xmlns:p1510="http://schemas.microsoft.com/office/powerpoint/2015/10/main">
-  <p1510:revLst>
-    <p1510:client id="{D11B680B-35F7-DA49-81B6-CE9409603FBB}" v="63" dt="2023-10-11T09:25:02.770"/>
-  </p1510:revLst>
-</p1510:revInfo>
 </file>
 
 <file path=ppt/diagrams/colors1.xml><?xml version="1.0" encoding="utf-8"?>
@@ -7559,10 +7551,10 @@
       </p:pic>
       <p:pic>
         <p:nvPicPr>
-          <p:cNvPr id="1048" name="Picture 24" descr="Choosing the Right Path: RAG or Fine-Tuning | by sourajit roy chowdhury |  Oct, 2023 | Medium">
+          <p:cNvPr id="1050" name="Picture 26" descr="Home Page | Your Knowledge">
             <a:extLst>
               <a:ext uri="{FF2B5EF4-FFF2-40B4-BE49-F238E27FC236}">
-                <a16:creationId xmlns:a16="http://schemas.microsoft.com/office/drawing/2014/main" id="{7F411953-A362-570C-D7FF-A7E6DA30EED0}"/>
+                <a16:creationId xmlns:a16="http://schemas.microsoft.com/office/drawing/2014/main" id="{828CF279-C899-0DDB-4A29-9D26990BF9C1}"/>
               </a:ext>
             </a:extLst>
           </p:cNvPr>
@@ -7573,53 +7565,6 @@
         </p:nvPicPr>
         <p:blipFill>
           <a:blip r:embed="rId13">
-            <a:extLst>
-              <a:ext uri="{28A0092B-C50C-407E-A947-70E740481C1C}">
-                <a14:useLocalDpi xmlns:a14="http://schemas.microsoft.com/office/drawing/2010/main" val="0"/>
-              </a:ext>
-            </a:extLst>
-          </a:blip>
-          <a:srcRect/>
-          <a:stretch>
-            <a:fillRect/>
-          </a:stretch>
-        </p:blipFill>
-        <p:spPr bwMode="auto">
-          <a:xfrm>
-            <a:off x="6988565" y="2289205"/>
-            <a:ext cx="1917700" cy="1066800"/>
-          </a:xfrm>
-          <a:prstGeom prst="rect">
-            <a:avLst/>
-          </a:prstGeom>
-          <a:noFill/>
-          <a:extLst>
-            <a:ext uri="{909E8E84-426E-40DD-AFC4-6F175D3DCCD1}">
-              <a14:hiddenFill xmlns:a14="http://schemas.microsoft.com/office/drawing/2010/main">
-                <a:solidFill>
-                  <a:srgbClr val="FFFFFF"/>
-                </a:solidFill>
-              </a14:hiddenFill>
-            </a:ext>
-          </a:extLst>
-        </p:spPr>
-      </p:pic>
-      <p:pic>
-        <p:nvPicPr>
-          <p:cNvPr id="1050" name="Picture 26" descr="Home Page | Your Knowledge">
-            <a:extLst>
-              <a:ext uri="{FF2B5EF4-FFF2-40B4-BE49-F238E27FC236}">
-                <a16:creationId xmlns:a16="http://schemas.microsoft.com/office/drawing/2014/main" id="{828CF279-C899-0DDB-4A29-9D26990BF9C1}"/>
-              </a:ext>
-            </a:extLst>
-          </p:cNvPr>
-          <p:cNvPicPr>
-            <a:picLocks noChangeAspect="1" noChangeArrowheads="1"/>
-          </p:cNvPicPr>
-          <p:nvPr/>
-        </p:nvPicPr>
-        <p:blipFill>
-          <a:blip r:embed="rId14">
             <a:extLst>
               <a:ext uri="{28A0092B-C50C-407E-A947-70E740481C1C}">
                 <a14:useLocalDpi xmlns:a14="http://schemas.microsoft.com/office/drawing/2010/main" val="0"/>
@@ -7651,6 +7596,43 @@
           </a:extLst>
         </p:spPr>
       </p:pic>
+      <p:sp>
+        <p:nvSpPr>
+          <p:cNvPr id="19" name="TextBox 18">
+            <a:extLst>
+              <a:ext uri="{FF2B5EF4-FFF2-40B4-BE49-F238E27FC236}">
+                <a16:creationId xmlns:a16="http://schemas.microsoft.com/office/drawing/2014/main" id="{C2C4625A-A095-F972-89FE-2147D0DF1FDD}"/>
+              </a:ext>
+            </a:extLst>
+          </p:cNvPr>
+          <p:cNvSpPr txBox="1"/>
+          <p:nvPr/>
+        </p:nvSpPr>
+        <p:spPr>
+          <a:xfrm>
+            <a:off x="7424977" y="2662186"/>
+            <a:ext cx="1152047" cy="584775"/>
+          </a:xfrm>
+          <a:prstGeom prst="rect">
+            <a:avLst/>
+          </a:prstGeom>
+          <a:noFill/>
+        </p:spPr>
+        <p:txBody>
+          <a:bodyPr wrap="none" rtlCol="0">
+            <a:spAutoFit/>
+          </a:bodyPr>
+          <a:lstStyle/>
+          <a:p>
+            <a:r>
+              <a:rPr lang="en-FR" sz="3200" dirty="0">
+                <a:latin typeface="Cooper Black" panose="0208090404030B020404" pitchFamily="18" charset="77"/>
+              </a:rPr>
+              <a:t>RAG</a:t>
+            </a:r>
+          </a:p>
+        </p:txBody>
+      </p:sp>
     </p:spTree>
     <p:extLst>
       <p:ext uri="{BB962C8B-B14F-4D97-AF65-F5344CB8AC3E}">

--- a/chat-with-documentation/images/ChatWithDoc.pptx
+++ b/chat-with-documentation/images/ChatWithDoc.pptx
@@ -1008,12 +1008,8 @@
         <a:lstStyle/>
         <a:p>
           <a:r>
-            <a:rPr lang="en-GB" dirty="0" err="1"/>
-            <a:t>Vectore</a:t>
-          </a:r>
-          <a:r>
             <a:rPr lang="en-GB" dirty="0"/>
-            <a:t> Store</a:t>
+            <a:t>Vector Store</a:t>
           </a:r>
         </a:p>
         <a:p>
@@ -1126,9 +1122,10 @@
         <a:lstStyle/>
         <a:p>
           <a:r>
-            <a:rPr lang="en-GB" dirty="0"/>
-            <a:t>Ranked Result</a:t>
+            <a:rPr lang="en-GB"/>
+            <a:t>Ranked Results</a:t>
           </a:r>
+          <a:endParaRPr lang="en-GB" dirty="0"/>
         </a:p>
       </dgm:t>
     </dgm:pt>
@@ -2216,9 +2213,10 @@
             <a:buNone/>
           </a:pPr>
           <a:r>
-            <a:rPr lang="en-GB" sz="1500" kern="1200" dirty="0"/>
-            <a:t>Ranked Result</a:t>
+            <a:rPr lang="en-GB" sz="1500" kern="1200"/>
+            <a:t>Ranked Results</a:t>
           </a:r>
+          <a:endParaRPr lang="en-GB" sz="1500" kern="1200" dirty="0"/>
         </a:p>
       </dsp:txBody>
       <dsp:txXfrm>
@@ -2417,12 +2415,8 @@
             <a:buNone/>
           </a:pPr>
           <a:r>
-            <a:rPr lang="en-GB" sz="1500" kern="1200" dirty="0" err="1"/>
-            <a:t>Vectore</a:t>
-          </a:r>
-          <a:r>
             <a:rPr lang="en-GB" sz="1500" kern="1200" dirty="0"/>
-            <a:t> Store</a:t>
+            <a:t>Vector Store</a:t>
           </a:r>
         </a:p>
         <a:p>
@@ -7264,7 +7258,7 @@
           <p:nvPr>
             <p:extLst>
               <p:ext uri="{D42A27DB-BD31-4B8C-83A1-F6EECF244321}">
-                <p14:modId xmlns:p14="http://schemas.microsoft.com/office/powerpoint/2010/main" val="2967467755"/>
+                <p14:modId xmlns:p14="http://schemas.microsoft.com/office/powerpoint/2010/main" val="911631548"/>
               </p:ext>
             </p:extLst>
           </p:nvPr>
